--- a/spring14/slidesS14/truth-tables.pptx
+++ b/spring14/slidesS14/truth-tables.pptx
@@ -5968,13 +5968,19 @@
               <a:rPr lang="en-US" sz="1100" baseline="0" dirty="0" smtClean="0">
                 <a:latin typeface="Comic Sans MS" pitchFamily="66" charset="0"/>
               </a:rPr>
-              <a:t>12</a:t>
+              <a:t>14</a:t>
             </a:r>
             <a:r>
               <a:rPr lang="en-US" sz="1100" dirty="0" smtClean="0">
                 <a:latin typeface="Comic Sans MS" pitchFamily="66" charset="0"/>
               </a:rPr>
-              <a:t>, 2014</a:t>
+              <a:t>, </a:t>
+            </a:r>
+            <a:r>
+              <a:rPr lang="en-US" sz="1100" dirty="0" smtClean="0">
+                <a:latin typeface="Comic Sans MS" pitchFamily="66" charset="0"/>
+              </a:rPr>
+              <a:t>2014</a:t>
             </a:r>
             <a:endParaRPr lang="en-US" sz="1100" dirty="0">
               <a:latin typeface="Comic Sans MS" pitchFamily="66" charset="0"/>
@@ -7651,13 +7657,13 @@
   <p:clrMapOvr>
     <a:masterClrMapping/>
   </p:clrMapOvr>
-  <mc:AlternateContent xmlns:mc="http://schemas.openxmlformats.org/markup-compatibility/2006">
-    <mc:Choice xmlns:p14="http://schemas.microsoft.com/office/powerpoint/2010/main" Requires="p14">
+  <mc:AlternateContent xmlns:mc="http://schemas.openxmlformats.org/markup-compatibility/2006" xmlns:p14="http://schemas.microsoft.com/office/powerpoint/2010/main">
+    <mc:Choice Requires="p14">
       <p:transition spd="med" p14:dur="700" advClick="0">
         <p:fade/>
       </p:transition>
     </mc:Choice>
-    <mc:Fallback>
+    <mc:Fallback xmlns="">
       <p:transition xmlns:p14="http://schemas.microsoft.com/office/powerpoint/2010/main" spd="med" advClick="0">
         <p:fade/>
       </p:transition>
@@ -8141,13 +8147,13 @@
   <p:clrMapOvr>
     <a:masterClrMapping/>
   </p:clrMapOvr>
-  <mc:AlternateContent xmlns:mc="http://schemas.openxmlformats.org/markup-compatibility/2006">
-    <mc:Choice xmlns:p14="http://schemas.microsoft.com/office/powerpoint/2010/main" Requires="p14">
+  <mc:AlternateContent xmlns:mc="http://schemas.openxmlformats.org/markup-compatibility/2006" xmlns:p14="http://schemas.microsoft.com/office/powerpoint/2010/main">
+    <mc:Choice Requires="p14">
       <p:transition spd="slow" p14:dur="800" advClick="0">
         <p:fade/>
       </p:transition>
     </mc:Choice>
-    <mc:Fallback>
+    <mc:Fallback xmlns="">
       <p:transition xmlns:p14="http://schemas.microsoft.com/office/powerpoint/2010/main" spd="slow" advClick="0">
         <p:fade/>
       </p:transition>
@@ -8530,13 +8536,13 @@
   <p:clrMapOvr>
     <a:masterClrMapping/>
   </p:clrMapOvr>
-  <mc:AlternateContent xmlns:mc="http://schemas.openxmlformats.org/markup-compatibility/2006">
-    <mc:Choice xmlns:p14="http://schemas.microsoft.com/office/powerpoint/2010/main" Requires="p14">
+  <mc:AlternateContent xmlns:mc="http://schemas.openxmlformats.org/markup-compatibility/2006" xmlns:p14="http://schemas.microsoft.com/office/powerpoint/2010/main">
+    <mc:Choice Requires="p14">
       <p:transition spd="slow" p14:dur="900" advClick="0">
         <p:fade thruBlk="1"/>
       </p:transition>
     </mc:Choice>
-    <mc:Fallback>
+    <mc:Fallback xmlns="">
       <p:transition xmlns:p14="http://schemas.microsoft.com/office/powerpoint/2010/main" spd="slow" advClick="0">
         <p:fade thruBlk="1"/>
       </p:transition>
@@ -9470,13 +9476,13 @@
   <p:clrMapOvr>
     <a:masterClrMapping/>
   </p:clrMapOvr>
-  <mc:AlternateContent xmlns:mc="http://schemas.openxmlformats.org/markup-compatibility/2006">
-    <mc:Choice xmlns:p14="http://schemas.microsoft.com/office/powerpoint/2010/main" Requires="p14">
+  <mc:AlternateContent xmlns:mc="http://schemas.openxmlformats.org/markup-compatibility/2006" xmlns:p14="http://schemas.microsoft.com/office/powerpoint/2010/main">
+    <mc:Choice Requires="p14">
       <p:transition spd="med" p14:dur="700" advClick="0">
         <p:fade/>
       </p:transition>
     </mc:Choice>
-    <mc:Fallback>
+    <mc:Fallback xmlns="">
       <p:transition xmlns:p14="http://schemas.microsoft.com/office/powerpoint/2010/main" spd="med" advClick="0">
         <p:fade/>
       </p:transition>
@@ -10018,13 +10024,13 @@
   <p:clrMapOvr>
     <a:masterClrMapping/>
   </p:clrMapOvr>
-  <mc:AlternateContent xmlns:mc="http://schemas.openxmlformats.org/markup-compatibility/2006">
-    <mc:Choice xmlns:p14="http://schemas.microsoft.com/office/powerpoint/2010/main" Requires="p14">
+  <mc:AlternateContent xmlns:mc="http://schemas.openxmlformats.org/markup-compatibility/2006" xmlns:p14="http://schemas.microsoft.com/office/powerpoint/2010/main">
+    <mc:Choice Requires="p14">
       <p:transition spd="med" p14:dur="700" advClick="0">
         <p:fade thruBlk="1"/>
       </p:transition>
     </mc:Choice>
-    <mc:Fallback>
+    <mc:Fallback xmlns="">
       <p:transition xmlns:p14="http://schemas.microsoft.com/office/powerpoint/2010/main" spd="med" advClick="0">
         <p:fade thruBlk="1"/>
       </p:transition>
@@ -10847,13 +10853,13 @@
   <p:clrMapOvr>
     <a:masterClrMapping/>
   </p:clrMapOvr>
-  <mc:AlternateContent xmlns:mc="http://schemas.openxmlformats.org/markup-compatibility/2006">
-    <mc:Choice xmlns:p14="http://schemas.microsoft.com/office/powerpoint/2010/main" Requires="p14">
+  <mc:AlternateContent xmlns:mc="http://schemas.openxmlformats.org/markup-compatibility/2006" xmlns:p14="http://schemas.microsoft.com/office/powerpoint/2010/main">
+    <mc:Choice Requires="p14">
       <p:transition spd="slow" p14:dur="800" advClick="0">
         <p:fade/>
       </p:transition>
     </mc:Choice>
-    <mc:Fallback>
+    <mc:Fallback xmlns="">
       <p:transition xmlns:p14="http://schemas.microsoft.com/office/powerpoint/2010/main" spd="slow" advClick="0">
         <p:fade/>
       </p:transition>
@@ -14313,7 +14319,7 @@
           <a:graphicData uri="http://schemas.openxmlformats.org/presentationml/2006/ole">
             <mc:AlternateContent xmlns:mc="http://schemas.openxmlformats.org/markup-compatibility/2006">
               <mc:Choice xmlns:v="urn:schemas-microsoft-com:vml" Requires="v">
-                <p:oleObj spid="_x0000_s402677" name="Equation" r:id="rId4" imgW="800100" imgH="228600" progId="Equation.DSMT4">
+                <p:oleObj spid="_x0000_s402687" name="Equation" r:id="rId4" imgW="800100" imgH="228600" progId="Equation.DSMT4">
                   <p:embed/>
                 </p:oleObj>
               </mc:Choice>
@@ -14375,7 +14381,7 @@
           <a:graphicData uri="http://schemas.openxmlformats.org/presentationml/2006/ole">
             <mc:AlternateContent xmlns:mc="http://schemas.openxmlformats.org/markup-compatibility/2006">
               <mc:Choice xmlns:v="urn:schemas-microsoft-com:vml" Requires="v">
-                <p:oleObj spid="_x0000_s402678" name="Equation" r:id="rId6" imgW="622300" imgH="241300" progId="Equation.DSMT4">
+                <p:oleObj spid="_x0000_s402688" name="Equation" r:id="rId6" imgW="622300" imgH="241300" progId="Equation.DSMT4">
                   <p:embed/>
                 </p:oleObj>
               </mc:Choice>
@@ -14483,7 +14489,7 @@
             <a:graphicData uri="http://schemas.openxmlformats.org/presentationml/2006/ole">
               <mc:AlternateContent xmlns:mc="http://schemas.openxmlformats.org/markup-compatibility/2006">
                 <mc:Choice xmlns:v="urn:schemas-microsoft-com:vml" Requires="v">
-                  <p:oleObj spid="_x0000_s402679" name="Equation" r:id="rId8" imgW="622300" imgH="241300" progId="Equation.DSMT4">
+                  <p:oleObj spid="_x0000_s402689" name="Equation" r:id="rId8" imgW="622300" imgH="241300" progId="Equation.DSMT4">
                     <p:embed/>
                   </p:oleObj>
                 </mc:Choice>
@@ -14540,7 +14546,7 @@
             <a:graphicData uri="http://schemas.openxmlformats.org/presentationml/2006/ole">
               <mc:AlternateContent xmlns:mc="http://schemas.openxmlformats.org/markup-compatibility/2006">
                 <mc:Choice xmlns:v="urn:schemas-microsoft-com:vml" Requires="v">
-                  <p:oleObj spid="_x0000_s402680" name="Equation" r:id="rId9" imgW="609600" imgH="304800" progId="Equation.DSMT4">
+                  <p:oleObj spid="_x0000_s402690" name="Equation" r:id="rId9" imgW="609600" imgH="304800" progId="Equation.DSMT4">
                     <p:embed/>
                   </p:oleObj>
                 </mc:Choice>
@@ -14586,13 +14592,13 @@
   <p:clrMapOvr>
     <a:masterClrMapping/>
   </p:clrMapOvr>
-  <mc:AlternateContent xmlns:mc="http://schemas.openxmlformats.org/markup-compatibility/2006">
-    <mc:Choice xmlns:p14="http://schemas.microsoft.com/office/powerpoint/2010/main" Requires="p14">
+  <mc:AlternateContent xmlns:mc="http://schemas.openxmlformats.org/markup-compatibility/2006" xmlns:p14="http://schemas.microsoft.com/office/powerpoint/2010/main">
+    <mc:Choice Requires="p14">
       <p:transition spd="med" p14:dur="700" advClick="0">
         <p:fade/>
       </p:transition>
     </mc:Choice>
-    <mc:Fallback>
+    <mc:Fallback xmlns="">
       <p:transition xmlns:p14="http://schemas.microsoft.com/office/powerpoint/2010/main" spd="med" advClick="0">
         <p:fade/>
       </p:transition>
@@ -17716,7 +17722,7 @@
           <a:graphicData uri="http://schemas.openxmlformats.org/presentationml/2006/ole">
             <mc:AlternateContent xmlns:mc="http://schemas.openxmlformats.org/markup-compatibility/2006">
               <mc:Choice xmlns:v="urn:schemas-microsoft-com:vml" Requires="v">
-                <p:oleObj spid="_x0000_s414818" name="Equation" r:id="rId4" imgW="800100" imgH="228600" progId="Equation.DSMT4">
+                <p:oleObj spid="_x0000_s414828" name="Equation" r:id="rId4" imgW="800100" imgH="228600" progId="Equation.DSMT4">
                   <p:embed/>
                 </p:oleObj>
               </mc:Choice>
@@ -17778,7 +17784,7 @@
           <a:graphicData uri="http://schemas.openxmlformats.org/presentationml/2006/ole">
             <mc:AlternateContent xmlns:mc="http://schemas.openxmlformats.org/markup-compatibility/2006">
               <mc:Choice xmlns:v="urn:schemas-microsoft-com:vml" Requires="v">
-                <p:oleObj spid="_x0000_s414819" name="Equation" r:id="rId6" imgW="622300" imgH="241300" progId="Equation.DSMT4">
+                <p:oleObj spid="_x0000_s414829" name="Equation" r:id="rId6" imgW="622300" imgH="241300" progId="Equation.DSMT4">
                   <p:embed/>
                 </p:oleObj>
               </mc:Choice>
@@ -17886,7 +17892,7 @@
             <a:graphicData uri="http://schemas.openxmlformats.org/presentationml/2006/ole">
               <mc:AlternateContent xmlns:mc="http://schemas.openxmlformats.org/markup-compatibility/2006">
                 <mc:Choice xmlns:v="urn:schemas-microsoft-com:vml" Requires="v">
-                  <p:oleObj spid="_x0000_s414820" name="Equation" r:id="rId8" imgW="622300" imgH="241300" progId="Equation.DSMT4">
+                  <p:oleObj spid="_x0000_s414830" name="Equation" r:id="rId8" imgW="622300" imgH="241300" progId="Equation.DSMT4">
                     <p:embed/>
                   </p:oleObj>
                 </mc:Choice>
@@ -17943,7 +17949,7 @@
             <a:graphicData uri="http://schemas.openxmlformats.org/presentationml/2006/ole">
               <mc:AlternateContent xmlns:mc="http://schemas.openxmlformats.org/markup-compatibility/2006">
                 <mc:Choice xmlns:v="urn:schemas-microsoft-com:vml" Requires="v">
-                  <p:oleObj spid="_x0000_s414821" name="Equation" r:id="rId9" imgW="609600" imgH="304800" progId="Equation.DSMT4">
+                  <p:oleObj spid="_x0000_s414831" name="Equation" r:id="rId9" imgW="609600" imgH="304800" progId="Equation.DSMT4">
                     <p:embed/>
                   </p:oleObj>
                 </mc:Choice>
@@ -18378,13 +18384,13 @@
   <p:clrMapOvr>
     <a:masterClrMapping/>
   </p:clrMapOvr>
-  <mc:AlternateContent xmlns:mc="http://schemas.openxmlformats.org/markup-compatibility/2006">
-    <mc:Choice xmlns:p14="http://schemas.microsoft.com/office/powerpoint/2010/main" Requires="p14">
+  <mc:AlternateContent xmlns:mc="http://schemas.openxmlformats.org/markup-compatibility/2006" xmlns:p14="http://schemas.microsoft.com/office/powerpoint/2010/main">
+    <mc:Choice Requires="p14">
       <p:transition spd="med" p14:dur="700" advClick="0">
         <p:fade/>
       </p:transition>
     </mc:Choice>
-    <mc:Fallback>
+    <mc:Fallback xmlns="">
       <p:transition xmlns:p14="http://schemas.microsoft.com/office/powerpoint/2010/main" spd="med" advClick="0">
         <p:fade/>
       </p:transition>
@@ -19841,13 +19847,13 @@
   <p:clrMapOvr>
     <a:masterClrMapping/>
   </p:clrMapOvr>
-  <mc:AlternateContent xmlns:mc="http://schemas.openxmlformats.org/markup-compatibility/2006">
-    <mc:Choice xmlns:p14="http://schemas.microsoft.com/office/powerpoint/2010/main" Requires="p14">
+  <mc:AlternateContent xmlns:mc="http://schemas.openxmlformats.org/markup-compatibility/2006" xmlns:p14="http://schemas.microsoft.com/office/powerpoint/2010/main">
+    <mc:Choice Requires="p14">
       <p:transition spd="slow" p14:dur="800" advClick="0">
         <p:fade thruBlk="1"/>
       </p:transition>
     </mc:Choice>
-    <mc:Fallback>
+    <mc:Fallback xmlns="">
       <p:transition xmlns:p14="http://schemas.microsoft.com/office/powerpoint/2010/main" spd="slow" advClick="0">
         <p:fade thruBlk="1"/>
       </p:transition>

--- a/spring14/slidesS14/truth-tables.pptx
+++ b/spring14/slidesS14/truth-tables.pptx
@@ -2528,665 +2528,6 @@
 </file>
 
 <file path=ppt/slideLayouts/slideLayout13.xml><?xml version="1.0" encoding="utf-8"?>
-<p:sldLayout xmlns:a="http://schemas.openxmlformats.org/drawingml/2006/main" xmlns:r="http://schemas.openxmlformats.org/officeDocument/2006/relationships" xmlns:p="http://schemas.openxmlformats.org/presentationml/2006/main" type="twoObj" preserve="1">
-  <p:cSld name="Two Content">
-    <p:spTree>
-      <p:nvGrpSpPr>
-        <p:cNvPr id="1" name=""/>
-        <p:cNvGrpSpPr/>
-        <p:nvPr/>
-      </p:nvGrpSpPr>
-      <p:grpSpPr>
-        <a:xfrm>
-          <a:off x="0" y="0"/>
-          <a:ext cx="0" cy="0"/>
-          <a:chOff x="0" y="0"/>
-          <a:chExt cx="0" cy="0"/>
-        </a:xfrm>
-      </p:grpSpPr>
-      <p:sp>
-        <p:nvSpPr>
-          <p:cNvPr id="2" name="Title 1"/>
-          <p:cNvSpPr>
-            <a:spLocks noGrp="1"/>
-          </p:cNvSpPr>
-          <p:nvPr>
-            <p:ph type="title"/>
-          </p:nvPr>
-        </p:nvSpPr>
-        <p:spPr/>
-        <p:txBody>
-          <a:bodyPr/>
-          <a:lstStyle/>
-          <a:p>
-            <a:r>
-              <a:rPr lang="en-US" smtClean="0"/>
-              <a:t>Click to edit Master title style</a:t>
-            </a:r>
-            <a:endParaRPr lang="en-US"/>
-          </a:p>
-        </p:txBody>
-      </p:sp>
-      <p:sp>
-        <p:nvSpPr>
-          <p:cNvPr id="3" name="Content Placeholder 2"/>
-          <p:cNvSpPr>
-            <a:spLocks noGrp="1"/>
-          </p:cNvSpPr>
-          <p:nvPr>
-            <p:ph sz="half" idx="1"/>
-          </p:nvPr>
-        </p:nvSpPr>
-        <p:spPr>
-          <a:xfrm>
-            <a:off x="685800" y="2057400"/>
-            <a:ext cx="3810000" cy="4114800"/>
-          </a:xfrm>
-        </p:spPr>
-        <p:txBody>
-          <a:bodyPr/>
-          <a:lstStyle>
-            <a:lvl1pPr>
-              <a:defRPr sz="2800"/>
-            </a:lvl1pPr>
-            <a:lvl2pPr>
-              <a:defRPr sz="2400"/>
-            </a:lvl2pPr>
-            <a:lvl3pPr>
-              <a:defRPr sz="2000"/>
-            </a:lvl3pPr>
-            <a:lvl4pPr>
-              <a:defRPr sz="1800"/>
-            </a:lvl4pPr>
-            <a:lvl5pPr>
-              <a:defRPr sz="1800"/>
-            </a:lvl5pPr>
-            <a:lvl6pPr>
-              <a:defRPr sz="1800"/>
-            </a:lvl6pPr>
-            <a:lvl7pPr>
-              <a:defRPr sz="1800"/>
-            </a:lvl7pPr>
-            <a:lvl8pPr>
-              <a:defRPr sz="1800"/>
-            </a:lvl8pPr>
-            <a:lvl9pPr>
-              <a:defRPr sz="1800"/>
-            </a:lvl9pPr>
-          </a:lstStyle>
-          <a:p>
-            <a:pPr lvl="0"/>
-            <a:r>
-              <a:rPr lang="en-US" smtClean="0"/>
-              <a:t>Click to edit Master text styles</a:t>
-            </a:r>
-          </a:p>
-          <a:p>
-            <a:pPr lvl="1"/>
-            <a:r>
-              <a:rPr lang="en-US" smtClean="0"/>
-              <a:t>Second level</a:t>
-            </a:r>
-          </a:p>
-          <a:p>
-            <a:pPr lvl="2"/>
-            <a:r>
-              <a:rPr lang="en-US" smtClean="0"/>
-              <a:t>Third level</a:t>
-            </a:r>
-          </a:p>
-          <a:p>
-            <a:pPr lvl="3"/>
-            <a:r>
-              <a:rPr lang="en-US" smtClean="0"/>
-              <a:t>Fourth level</a:t>
-            </a:r>
-          </a:p>
-          <a:p>
-            <a:pPr lvl="4"/>
-            <a:r>
-              <a:rPr lang="en-US" smtClean="0"/>
-              <a:t>Fifth level</a:t>
-            </a:r>
-            <a:endParaRPr lang="en-US"/>
-          </a:p>
-        </p:txBody>
-      </p:sp>
-      <p:sp>
-        <p:nvSpPr>
-          <p:cNvPr id="4" name="Content Placeholder 3"/>
-          <p:cNvSpPr>
-            <a:spLocks noGrp="1"/>
-          </p:cNvSpPr>
-          <p:nvPr>
-            <p:ph sz="half" idx="2"/>
-          </p:nvPr>
-        </p:nvSpPr>
-        <p:spPr>
-          <a:xfrm>
-            <a:off x="4648200" y="2057400"/>
-            <a:ext cx="3810000" cy="4114800"/>
-          </a:xfrm>
-        </p:spPr>
-        <p:txBody>
-          <a:bodyPr/>
-          <a:lstStyle>
-            <a:lvl1pPr>
-              <a:defRPr sz="2800"/>
-            </a:lvl1pPr>
-            <a:lvl2pPr>
-              <a:defRPr sz="2400"/>
-            </a:lvl2pPr>
-            <a:lvl3pPr>
-              <a:defRPr sz="2000"/>
-            </a:lvl3pPr>
-            <a:lvl4pPr>
-              <a:defRPr sz="1800"/>
-            </a:lvl4pPr>
-            <a:lvl5pPr>
-              <a:defRPr sz="1800"/>
-            </a:lvl5pPr>
-            <a:lvl6pPr>
-              <a:defRPr sz="1800"/>
-            </a:lvl6pPr>
-            <a:lvl7pPr>
-              <a:defRPr sz="1800"/>
-            </a:lvl7pPr>
-            <a:lvl8pPr>
-              <a:defRPr sz="1800"/>
-            </a:lvl8pPr>
-            <a:lvl9pPr>
-              <a:defRPr sz="1800"/>
-            </a:lvl9pPr>
-          </a:lstStyle>
-          <a:p>
-            <a:pPr lvl="0"/>
-            <a:r>
-              <a:rPr lang="en-US" smtClean="0"/>
-              <a:t>Click to edit Master text styles</a:t>
-            </a:r>
-          </a:p>
-          <a:p>
-            <a:pPr lvl="1"/>
-            <a:r>
-              <a:rPr lang="en-US" smtClean="0"/>
-              <a:t>Second level</a:t>
-            </a:r>
-          </a:p>
-          <a:p>
-            <a:pPr lvl="2"/>
-            <a:r>
-              <a:rPr lang="en-US" smtClean="0"/>
-              <a:t>Third level</a:t>
-            </a:r>
-          </a:p>
-          <a:p>
-            <a:pPr lvl="3"/>
-            <a:r>
-              <a:rPr lang="en-US" smtClean="0"/>
-              <a:t>Fourth level</a:t>
-            </a:r>
-          </a:p>
-          <a:p>
-            <a:pPr lvl="4"/>
-            <a:r>
-              <a:rPr lang="en-US" smtClean="0"/>
-              <a:t>Fifth level</a:t>
-            </a:r>
-            <a:endParaRPr lang="en-US"/>
-          </a:p>
-        </p:txBody>
-      </p:sp>
-      <p:sp>
-        <p:nvSpPr>
-          <p:cNvPr id="5" name="Rectangle 4"/>
-          <p:cNvSpPr>
-            <a:spLocks noGrp="1" noChangeArrowheads="1"/>
-          </p:cNvSpPr>
-          <p:nvPr>
-            <p:ph type="sldNum" sz="quarter" idx="10"/>
-          </p:nvPr>
-        </p:nvSpPr>
-        <p:spPr>
-          <a:ln/>
-        </p:spPr>
-        <p:txBody>
-          <a:bodyPr/>
-          <a:lstStyle>
-            <a:lvl1pPr>
-              <a:defRPr/>
-            </a:lvl1pPr>
-          </a:lstStyle>
-          <a:p>
-            <a:pPr>
-              <a:defRPr/>
-            </a:pPr>
-            <a:r>
-              <a:rPr lang="en-US" dirty="0" smtClean="0"/>
-              <a:t>truth-tables.</a:t>
-            </a:r>
-            <a:fld id="{C4F24D8D-A185-4E60-9514-B135EA8C3BD6}" type="slidenum">
-              <a:rPr lang="en-US" smtClean="0"/>
-              <a:pPr>
-                <a:defRPr/>
-              </a:pPr>
-              <a:t>‹#›</a:t>
-            </a:fld>
-            <a:endParaRPr lang="en-US" dirty="0"/>
-          </a:p>
-        </p:txBody>
-      </p:sp>
-    </p:spTree>
-  </p:cSld>
-  <p:clrMapOvr>
-    <a:masterClrMapping/>
-  </p:clrMapOvr>
-  <p:transition xmlns:p14="http://schemas.microsoft.com/office/powerpoint/2010/main">
-    <p:fade/>
-  </p:transition>
-</p:sldLayout>
-</file>
-
-<file path=ppt/slideLayouts/slideLayout14.xml><?xml version="1.0" encoding="utf-8"?>
-<p:sldLayout xmlns:a="http://schemas.openxmlformats.org/drawingml/2006/main" xmlns:r="http://schemas.openxmlformats.org/officeDocument/2006/relationships" xmlns:p="http://schemas.openxmlformats.org/presentationml/2006/main" type="twoTxTwoObj" preserve="1">
-  <p:cSld name="Comparison">
-    <p:spTree>
-      <p:nvGrpSpPr>
-        <p:cNvPr id="1" name=""/>
-        <p:cNvGrpSpPr/>
-        <p:nvPr/>
-      </p:nvGrpSpPr>
-      <p:grpSpPr>
-        <a:xfrm>
-          <a:off x="0" y="0"/>
-          <a:ext cx="0" cy="0"/>
-          <a:chOff x="0" y="0"/>
-          <a:chExt cx="0" cy="0"/>
-        </a:xfrm>
-      </p:grpSpPr>
-      <p:sp>
-        <p:nvSpPr>
-          <p:cNvPr id="2" name="Title 1"/>
-          <p:cNvSpPr>
-            <a:spLocks noGrp="1"/>
-          </p:cNvSpPr>
-          <p:nvPr>
-            <p:ph type="title"/>
-          </p:nvPr>
-        </p:nvSpPr>
-        <p:spPr>
-          <a:xfrm>
-            <a:off x="457200" y="274638"/>
-            <a:ext cx="8229600" cy="1143000"/>
-          </a:xfrm>
-        </p:spPr>
-        <p:txBody>
-          <a:bodyPr/>
-          <a:lstStyle>
-            <a:lvl1pPr>
-              <a:defRPr/>
-            </a:lvl1pPr>
-          </a:lstStyle>
-          <a:p>
-            <a:r>
-              <a:rPr lang="en-US" smtClean="0"/>
-              <a:t>Click to edit Master title style</a:t>
-            </a:r>
-            <a:endParaRPr lang="en-US"/>
-          </a:p>
-        </p:txBody>
-      </p:sp>
-      <p:sp>
-        <p:nvSpPr>
-          <p:cNvPr id="3" name="Text Placeholder 2"/>
-          <p:cNvSpPr>
-            <a:spLocks noGrp="1"/>
-          </p:cNvSpPr>
-          <p:nvPr>
-            <p:ph type="body" idx="1"/>
-          </p:nvPr>
-        </p:nvSpPr>
-        <p:spPr>
-          <a:xfrm>
-            <a:off x="457200" y="1535113"/>
-            <a:ext cx="4040188" cy="639762"/>
-          </a:xfrm>
-        </p:spPr>
-        <p:txBody>
-          <a:bodyPr anchor="b"/>
-          <a:lstStyle>
-            <a:lvl1pPr marL="0" indent="0">
-              <a:buNone/>
-              <a:defRPr sz="2400" b="1"/>
-            </a:lvl1pPr>
-            <a:lvl2pPr marL="457200" indent="0">
-              <a:buNone/>
-              <a:defRPr sz="2000" b="1"/>
-            </a:lvl2pPr>
-            <a:lvl3pPr marL="914400" indent="0">
-              <a:buNone/>
-              <a:defRPr sz="1800" b="1"/>
-            </a:lvl3pPr>
-            <a:lvl4pPr marL="1371600" indent="0">
-              <a:buNone/>
-              <a:defRPr sz="1600" b="1"/>
-            </a:lvl4pPr>
-            <a:lvl5pPr marL="1828800" indent="0">
-              <a:buNone/>
-              <a:defRPr sz="1600" b="1"/>
-            </a:lvl5pPr>
-            <a:lvl6pPr marL="2286000" indent="0">
-              <a:buNone/>
-              <a:defRPr sz="1600" b="1"/>
-            </a:lvl6pPr>
-            <a:lvl7pPr marL="2743200" indent="0">
-              <a:buNone/>
-              <a:defRPr sz="1600" b="1"/>
-            </a:lvl7pPr>
-            <a:lvl8pPr marL="3200400" indent="0">
-              <a:buNone/>
-              <a:defRPr sz="1600" b="1"/>
-            </a:lvl8pPr>
-            <a:lvl9pPr marL="3657600" indent="0">
-              <a:buNone/>
-              <a:defRPr sz="1600" b="1"/>
-            </a:lvl9pPr>
-          </a:lstStyle>
-          <a:p>
-            <a:pPr lvl="0"/>
-            <a:r>
-              <a:rPr lang="en-US" smtClean="0"/>
-              <a:t>Click to edit Master text styles</a:t>
-            </a:r>
-          </a:p>
-        </p:txBody>
-      </p:sp>
-      <p:sp>
-        <p:nvSpPr>
-          <p:cNvPr id="4" name="Content Placeholder 3"/>
-          <p:cNvSpPr>
-            <a:spLocks noGrp="1"/>
-          </p:cNvSpPr>
-          <p:nvPr>
-            <p:ph sz="half" idx="2"/>
-          </p:nvPr>
-        </p:nvSpPr>
-        <p:spPr>
-          <a:xfrm>
-            <a:off x="457200" y="2174875"/>
-            <a:ext cx="4040188" cy="3951288"/>
-          </a:xfrm>
-        </p:spPr>
-        <p:txBody>
-          <a:bodyPr/>
-          <a:lstStyle>
-            <a:lvl1pPr>
-              <a:defRPr sz="2400"/>
-            </a:lvl1pPr>
-            <a:lvl2pPr>
-              <a:defRPr sz="2000"/>
-            </a:lvl2pPr>
-            <a:lvl3pPr>
-              <a:defRPr sz="1800"/>
-            </a:lvl3pPr>
-            <a:lvl4pPr>
-              <a:defRPr sz="1600"/>
-            </a:lvl4pPr>
-            <a:lvl5pPr>
-              <a:defRPr sz="1600"/>
-            </a:lvl5pPr>
-            <a:lvl6pPr>
-              <a:defRPr sz="1600"/>
-            </a:lvl6pPr>
-            <a:lvl7pPr>
-              <a:defRPr sz="1600"/>
-            </a:lvl7pPr>
-            <a:lvl8pPr>
-              <a:defRPr sz="1600"/>
-            </a:lvl8pPr>
-            <a:lvl9pPr>
-              <a:defRPr sz="1600"/>
-            </a:lvl9pPr>
-          </a:lstStyle>
-          <a:p>
-            <a:pPr lvl="0"/>
-            <a:r>
-              <a:rPr lang="en-US" smtClean="0"/>
-              <a:t>Click to edit Master text styles</a:t>
-            </a:r>
-          </a:p>
-          <a:p>
-            <a:pPr lvl="1"/>
-            <a:r>
-              <a:rPr lang="en-US" smtClean="0"/>
-              <a:t>Second level</a:t>
-            </a:r>
-          </a:p>
-          <a:p>
-            <a:pPr lvl="2"/>
-            <a:r>
-              <a:rPr lang="en-US" smtClean="0"/>
-              <a:t>Third level</a:t>
-            </a:r>
-          </a:p>
-          <a:p>
-            <a:pPr lvl="3"/>
-            <a:r>
-              <a:rPr lang="en-US" smtClean="0"/>
-              <a:t>Fourth level</a:t>
-            </a:r>
-          </a:p>
-          <a:p>
-            <a:pPr lvl="4"/>
-            <a:r>
-              <a:rPr lang="en-US" smtClean="0"/>
-              <a:t>Fifth level</a:t>
-            </a:r>
-            <a:endParaRPr lang="en-US"/>
-          </a:p>
-        </p:txBody>
-      </p:sp>
-      <p:sp>
-        <p:nvSpPr>
-          <p:cNvPr id="5" name="Text Placeholder 4"/>
-          <p:cNvSpPr>
-            <a:spLocks noGrp="1"/>
-          </p:cNvSpPr>
-          <p:nvPr>
-            <p:ph type="body" sz="quarter" idx="3"/>
-          </p:nvPr>
-        </p:nvSpPr>
-        <p:spPr>
-          <a:xfrm>
-            <a:off x="4645025" y="1535113"/>
-            <a:ext cx="4041775" cy="639762"/>
-          </a:xfrm>
-        </p:spPr>
-        <p:txBody>
-          <a:bodyPr anchor="b"/>
-          <a:lstStyle>
-            <a:lvl1pPr marL="0" indent="0">
-              <a:buNone/>
-              <a:defRPr sz="2400" b="1"/>
-            </a:lvl1pPr>
-            <a:lvl2pPr marL="457200" indent="0">
-              <a:buNone/>
-              <a:defRPr sz="2000" b="1"/>
-            </a:lvl2pPr>
-            <a:lvl3pPr marL="914400" indent="0">
-              <a:buNone/>
-              <a:defRPr sz="1800" b="1"/>
-            </a:lvl3pPr>
-            <a:lvl4pPr marL="1371600" indent="0">
-              <a:buNone/>
-              <a:defRPr sz="1600" b="1"/>
-            </a:lvl4pPr>
-            <a:lvl5pPr marL="1828800" indent="0">
-              <a:buNone/>
-              <a:defRPr sz="1600" b="1"/>
-            </a:lvl5pPr>
-            <a:lvl6pPr marL="2286000" indent="0">
-              <a:buNone/>
-              <a:defRPr sz="1600" b="1"/>
-            </a:lvl6pPr>
-            <a:lvl7pPr marL="2743200" indent="0">
-              <a:buNone/>
-              <a:defRPr sz="1600" b="1"/>
-            </a:lvl7pPr>
-            <a:lvl8pPr marL="3200400" indent="0">
-              <a:buNone/>
-              <a:defRPr sz="1600" b="1"/>
-            </a:lvl8pPr>
-            <a:lvl9pPr marL="3657600" indent="0">
-              <a:buNone/>
-              <a:defRPr sz="1600" b="1"/>
-            </a:lvl9pPr>
-          </a:lstStyle>
-          <a:p>
-            <a:pPr lvl="0"/>
-            <a:r>
-              <a:rPr lang="en-US" smtClean="0"/>
-              <a:t>Click to edit Master text styles</a:t>
-            </a:r>
-          </a:p>
-        </p:txBody>
-      </p:sp>
-      <p:sp>
-        <p:nvSpPr>
-          <p:cNvPr id="6" name="Content Placeholder 5"/>
-          <p:cNvSpPr>
-            <a:spLocks noGrp="1"/>
-          </p:cNvSpPr>
-          <p:nvPr>
-            <p:ph sz="quarter" idx="4"/>
-          </p:nvPr>
-        </p:nvSpPr>
-        <p:spPr>
-          <a:xfrm>
-            <a:off x="4645025" y="2174875"/>
-            <a:ext cx="4041775" cy="3951288"/>
-          </a:xfrm>
-        </p:spPr>
-        <p:txBody>
-          <a:bodyPr/>
-          <a:lstStyle>
-            <a:lvl1pPr>
-              <a:defRPr sz="2400"/>
-            </a:lvl1pPr>
-            <a:lvl2pPr>
-              <a:defRPr sz="2000"/>
-            </a:lvl2pPr>
-            <a:lvl3pPr>
-              <a:defRPr sz="1800"/>
-            </a:lvl3pPr>
-            <a:lvl4pPr>
-              <a:defRPr sz="1600"/>
-            </a:lvl4pPr>
-            <a:lvl5pPr>
-              <a:defRPr sz="1600"/>
-            </a:lvl5pPr>
-            <a:lvl6pPr>
-              <a:defRPr sz="1600"/>
-            </a:lvl6pPr>
-            <a:lvl7pPr>
-              <a:defRPr sz="1600"/>
-            </a:lvl7pPr>
-            <a:lvl8pPr>
-              <a:defRPr sz="1600"/>
-            </a:lvl8pPr>
-            <a:lvl9pPr>
-              <a:defRPr sz="1600"/>
-            </a:lvl9pPr>
-          </a:lstStyle>
-          <a:p>
-            <a:pPr lvl="0"/>
-            <a:r>
-              <a:rPr lang="en-US" smtClean="0"/>
-              <a:t>Click to edit Master text styles</a:t>
-            </a:r>
-          </a:p>
-          <a:p>
-            <a:pPr lvl="1"/>
-            <a:r>
-              <a:rPr lang="en-US" smtClean="0"/>
-              <a:t>Second level</a:t>
-            </a:r>
-          </a:p>
-          <a:p>
-            <a:pPr lvl="2"/>
-            <a:r>
-              <a:rPr lang="en-US" smtClean="0"/>
-              <a:t>Third level</a:t>
-            </a:r>
-          </a:p>
-          <a:p>
-            <a:pPr lvl="3"/>
-            <a:r>
-              <a:rPr lang="en-US" smtClean="0"/>
-              <a:t>Fourth level</a:t>
-            </a:r>
-          </a:p>
-          <a:p>
-            <a:pPr lvl="4"/>
-            <a:r>
-              <a:rPr lang="en-US" smtClean="0"/>
-              <a:t>Fifth level</a:t>
-            </a:r>
-            <a:endParaRPr lang="en-US"/>
-          </a:p>
-        </p:txBody>
-      </p:sp>
-      <p:sp>
-        <p:nvSpPr>
-          <p:cNvPr id="7" name="Rectangle 4"/>
-          <p:cNvSpPr>
-            <a:spLocks noGrp="1" noChangeArrowheads="1"/>
-          </p:cNvSpPr>
-          <p:nvPr>
-            <p:ph type="sldNum" sz="quarter" idx="10"/>
-          </p:nvPr>
-        </p:nvSpPr>
-        <p:spPr>
-          <a:ln/>
-        </p:spPr>
-        <p:txBody>
-          <a:bodyPr/>
-          <a:lstStyle>
-            <a:lvl1pPr>
-              <a:defRPr/>
-            </a:lvl1pPr>
-          </a:lstStyle>
-          <a:p>
-            <a:pPr>
-              <a:defRPr/>
-            </a:pPr>
-            <a:r>
-              <a:rPr lang="en-US" dirty="0" smtClean="0"/>
-              <a:t>truth-tables.</a:t>
-            </a:r>
-            <a:fld id="{CE491DCD-8313-4DB4-A347-0C0100589210}" type="slidenum">
-              <a:rPr lang="en-US" smtClean="0"/>
-              <a:pPr>
-                <a:defRPr/>
-              </a:pPr>
-              <a:t>‹#›</a:t>
-            </a:fld>
-            <a:endParaRPr lang="en-US" dirty="0"/>
-          </a:p>
-        </p:txBody>
-      </p:sp>
-    </p:spTree>
-  </p:cSld>
-  <p:clrMapOvr>
-    <a:masterClrMapping/>
-  </p:clrMapOvr>
-  <p:transition xmlns:p14="http://schemas.microsoft.com/office/powerpoint/2010/main">
-    <p:fade/>
-  </p:transition>
-</p:sldLayout>
-</file>
-
-<file path=ppt/slideLayouts/slideLayout15.xml><?xml version="1.0" encoding="utf-8"?>
 <p:sldLayout xmlns:a="http://schemas.openxmlformats.org/drawingml/2006/main" xmlns:r="http://schemas.openxmlformats.org/officeDocument/2006/relationships" xmlns:p="http://schemas.openxmlformats.org/presentationml/2006/main" type="titleOnly" preserve="1">
   <p:cSld name="Title Only">
     <p:spTree>
@@ -3280,7 +2621,7 @@
 </p:sldLayout>
 </file>
 
-<file path=ppt/slideLayouts/slideLayout16.xml><?xml version="1.0" encoding="utf-8"?>
+<file path=ppt/slideLayouts/slideLayout14.xml><?xml version="1.0" encoding="utf-8"?>
 <p:sldLayout xmlns:a="http://schemas.openxmlformats.org/drawingml/2006/main" xmlns:r="http://schemas.openxmlformats.org/officeDocument/2006/relationships" xmlns:p="http://schemas.openxmlformats.org/presentationml/2006/main" type="blank" preserve="1">
   <p:cSld name="Blank">
     <p:spTree>
@@ -3347,256 +2688,7 @@
 </p:sldLayout>
 </file>
 
-<file path=ppt/slideLayouts/slideLayout17.xml><?xml version="1.0" encoding="utf-8"?>
-<p:sldLayout xmlns:a="http://schemas.openxmlformats.org/drawingml/2006/main" xmlns:r="http://schemas.openxmlformats.org/officeDocument/2006/relationships" xmlns:p="http://schemas.openxmlformats.org/presentationml/2006/main" type="objTx" preserve="1">
-  <p:cSld name="Content with Caption">
-    <p:spTree>
-      <p:nvGrpSpPr>
-        <p:cNvPr id="1" name=""/>
-        <p:cNvGrpSpPr/>
-        <p:nvPr/>
-      </p:nvGrpSpPr>
-      <p:grpSpPr>
-        <a:xfrm>
-          <a:off x="0" y="0"/>
-          <a:ext cx="0" cy="0"/>
-          <a:chOff x="0" y="0"/>
-          <a:chExt cx="0" cy="0"/>
-        </a:xfrm>
-      </p:grpSpPr>
-      <p:sp>
-        <p:nvSpPr>
-          <p:cNvPr id="2" name="Title 1"/>
-          <p:cNvSpPr>
-            <a:spLocks noGrp="1"/>
-          </p:cNvSpPr>
-          <p:nvPr>
-            <p:ph type="title"/>
-          </p:nvPr>
-        </p:nvSpPr>
-        <p:spPr>
-          <a:xfrm>
-            <a:off x="457200" y="273050"/>
-            <a:ext cx="3008313" cy="1162050"/>
-          </a:xfrm>
-        </p:spPr>
-        <p:txBody>
-          <a:bodyPr anchor="b"/>
-          <a:lstStyle>
-            <a:lvl1pPr algn="l">
-              <a:defRPr sz="2000" b="1"/>
-            </a:lvl1pPr>
-          </a:lstStyle>
-          <a:p>
-            <a:r>
-              <a:rPr lang="en-US" smtClean="0"/>
-              <a:t>Click to edit Master title style</a:t>
-            </a:r>
-            <a:endParaRPr lang="en-US"/>
-          </a:p>
-        </p:txBody>
-      </p:sp>
-      <p:sp>
-        <p:nvSpPr>
-          <p:cNvPr id="3" name="Content Placeholder 2"/>
-          <p:cNvSpPr>
-            <a:spLocks noGrp="1"/>
-          </p:cNvSpPr>
-          <p:nvPr>
-            <p:ph idx="1"/>
-          </p:nvPr>
-        </p:nvSpPr>
-        <p:spPr>
-          <a:xfrm>
-            <a:off x="3575050" y="273050"/>
-            <a:ext cx="5111750" cy="5853113"/>
-          </a:xfrm>
-        </p:spPr>
-        <p:txBody>
-          <a:bodyPr/>
-          <a:lstStyle>
-            <a:lvl1pPr>
-              <a:defRPr sz="3200"/>
-            </a:lvl1pPr>
-            <a:lvl2pPr>
-              <a:defRPr sz="2800"/>
-            </a:lvl2pPr>
-            <a:lvl3pPr>
-              <a:defRPr sz="2400"/>
-            </a:lvl3pPr>
-            <a:lvl4pPr>
-              <a:defRPr sz="2000"/>
-            </a:lvl4pPr>
-            <a:lvl5pPr>
-              <a:defRPr sz="2000"/>
-            </a:lvl5pPr>
-            <a:lvl6pPr>
-              <a:defRPr sz="2000"/>
-            </a:lvl6pPr>
-            <a:lvl7pPr>
-              <a:defRPr sz="2000"/>
-            </a:lvl7pPr>
-            <a:lvl8pPr>
-              <a:defRPr sz="2000"/>
-            </a:lvl8pPr>
-            <a:lvl9pPr>
-              <a:defRPr sz="2000"/>
-            </a:lvl9pPr>
-          </a:lstStyle>
-          <a:p>
-            <a:pPr lvl="0"/>
-            <a:r>
-              <a:rPr lang="en-US" smtClean="0"/>
-              <a:t>Click to edit Master text styles</a:t>
-            </a:r>
-          </a:p>
-          <a:p>
-            <a:pPr lvl="1"/>
-            <a:r>
-              <a:rPr lang="en-US" smtClean="0"/>
-              <a:t>Second level</a:t>
-            </a:r>
-          </a:p>
-          <a:p>
-            <a:pPr lvl="2"/>
-            <a:r>
-              <a:rPr lang="en-US" smtClean="0"/>
-              <a:t>Third level</a:t>
-            </a:r>
-          </a:p>
-          <a:p>
-            <a:pPr lvl="3"/>
-            <a:r>
-              <a:rPr lang="en-US" smtClean="0"/>
-              <a:t>Fourth level</a:t>
-            </a:r>
-          </a:p>
-          <a:p>
-            <a:pPr lvl="4"/>
-            <a:r>
-              <a:rPr lang="en-US" smtClean="0"/>
-              <a:t>Fifth level</a:t>
-            </a:r>
-            <a:endParaRPr lang="en-US"/>
-          </a:p>
-        </p:txBody>
-      </p:sp>
-      <p:sp>
-        <p:nvSpPr>
-          <p:cNvPr id="4" name="Text Placeholder 3"/>
-          <p:cNvSpPr>
-            <a:spLocks noGrp="1"/>
-          </p:cNvSpPr>
-          <p:nvPr>
-            <p:ph type="body" sz="half" idx="2"/>
-          </p:nvPr>
-        </p:nvSpPr>
-        <p:spPr>
-          <a:xfrm>
-            <a:off x="457200" y="1435100"/>
-            <a:ext cx="3008313" cy="4691063"/>
-          </a:xfrm>
-        </p:spPr>
-        <p:txBody>
-          <a:bodyPr/>
-          <a:lstStyle>
-            <a:lvl1pPr marL="0" indent="0">
-              <a:buNone/>
-              <a:defRPr sz="1400"/>
-            </a:lvl1pPr>
-            <a:lvl2pPr marL="457200" indent="0">
-              <a:buNone/>
-              <a:defRPr sz="1200"/>
-            </a:lvl2pPr>
-            <a:lvl3pPr marL="914400" indent="0">
-              <a:buNone/>
-              <a:defRPr sz="1000"/>
-            </a:lvl3pPr>
-            <a:lvl4pPr marL="1371600" indent="0">
-              <a:buNone/>
-              <a:defRPr sz="900"/>
-            </a:lvl4pPr>
-            <a:lvl5pPr marL="1828800" indent="0">
-              <a:buNone/>
-              <a:defRPr sz="900"/>
-            </a:lvl5pPr>
-            <a:lvl6pPr marL="2286000" indent="0">
-              <a:buNone/>
-              <a:defRPr sz="900"/>
-            </a:lvl6pPr>
-            <a:lvl7pPr marL="2743200" indent="0">
-              <a:buNone/>
-              <a:defRPr sz="900"/>
-            </a:lvl7pPr>
-            <a:lvl8pPr marL="3200400" indent="0">
-              <a:buNone/>
-              <a:defRPr sz="900"/>
-            </a:lvl8pPr>
-            <a:lvl9pPr marL="3657600" indent="0">
-              <a:buNone/>
-              <a:defRPr sz="900"/>
-            </a:lvl9pPr>
-          </a:lstStyle>
-          <a:p>
-            <a:pPr lvl="0"/>
-            <a:r>
-              <a:rPr lang="en-US" smtClean="0"/>
-              <a:t>Click to edit Master text styles</a:t>
-            </a:r>
-          </a:p>
-        </p:txBody>
-      </p:sp>
-      <p:sp>
-        <p:nvSpPr>
-          <p:cNvPr id="5" name="Rectangle 4"/>
-          <p:cNvSpPr>
-            <a:spLocks noGrp="1" noChangeArrowheads="1"/>
-          </p:cNvSpPr>
-          <p:nvPr>
-            <p:ph type="sldNum" sz="quarter" idx="10"/>
-          </p:nvPr>
-        </p:nvSpPr>
-        <p:spPr>
-          <a:ln/>
-        </p:spPr>
-        <p:txBody>
-          <a:bodyPr/>
-          <a:lstStyle>
-            <a:lvl1pPr>
-              <a:defRPr/>
-            </a:lvl1pPr>
-          </a:lstStyle>
-          <a:p>
-            <a:pPr>
-              <a:defRPr/>
-            </a:pPr>
-            <a:r>
-              <a:rPr lang="en-US" dirty="0" smtClean="0"/>
-              <a:t>truth-tables.</a:t>
-            </a:r>
-            <a:fld id="{E48FC9C2-C352-42EF-B49B-D1C36F9D04B7}" type="slidenum">
-              <a:rPr lang="en-US" smtClean="0"/>
-              <a:pPr>
-                <a:defRPr/>
-              </a:pPr>
-              <a:t>‹#›</a:t>
-            </a:fld>
-            <a:endParaRPr lang="en-US" dirty="0"/>
-          </a:p>
-        </p:txBody>
-      </p:sp>
-    </p:spTree>
-  </p:cSld>
-  <p:clrMapOvr>
-    <a:masterClrMapping/>
-  </p:clrMapOvr>
-  <p:transition xmlns:p14="http://schemas.microsoft.com/office/powerpoint/2010/main">
-    <p:fade/>
-  </p:transition>
-</p:sldLayout>
-</file>
-
-<file path=ppt/slideLayouts/slideLayout18.xml><?xml version="1.0" encoding="utf-8"?>
+<file path=ppt/slideLayouts/slideLayout15.xml><?xml version="1.0" encoding="utf-8"?>
 <p:sldLayout xmlns:a="http://schemas.openxmlformats.org/drawingml/2006/main" xmlns:r="http://schemas.openxmlformats.org/officeDocument/2006/relationships" xmlns:p="http://schemas.openxmlformats.org/presentationml/2006/main" type="picTx" preserve="1">
   <p:cSld name="Picture with Caption">
     <p:spTree>
@@ -3822,9 +2914,9 @@
 </p:sldLayout>
 </file>
 
-<file path=ppt/slideLayouts/slideLayout19.xml><?xml version="1.0" encoding="utf-8"?>
-<p:sldLayout xmlns:a="http://schemas.openxmlformats.org/drawingml/2006/main" xmlns:r="http://schemas.openxmlformats.org/officeDocument/2006/relationships" xmlns:p="http://schemas.openxmlformats.org/presentationml/2006/main" type="vertTx" preserve="1">
-  <p:cSld name="Title and Vertical Text">
+<file path=ppt/slideLayouts/slideLayout16.xml><?xml version="1.0" encoding="utf-8"?>
+<p:sldLayout xmlns:a="http://schemas.openxmlformats.org/drawingml/2006/main" xmlns:r="http://schemas.openxmlformats.org/officeDocument/2006/relationships" xmlns:p="http://schemas.openxmlformats.org/presentationml/2006/main" type="vertTitleAndTx" preserve="1">
+  <p:cSld name="Vertical Title and Text">
     <p:spTree>
       <p:nvGrpSpPr>
         <p:cNvPr id="1" name=""/>
@@ -3841,17 +2933,22 @@
       </p:grpSpPr>
       <p:sp>
         <p:nvSpPr>
-          <p:cNvPr id="2" name="Title 1"/>
+          <p:cNvPr id="2" name="Vertical Title 1"/>
           <p:cNvSpPr>
             <a:spLocks noGrp="1"/>
           </p:cNvSpPr>
           <p:nvPr>
-            <p:ph type="title"/>
+            <p:ph type="title" orient="vert"/>
           </p:nvPr>
         </p:nvSpPr>
-        <p:spPr/>
+        <p:spPr>
+          <a:xfrm>
+            <a:off x="6915150" y="304800"/>
+            <a:ext cx="2076450" cy="5867400"/>
+          </a:xfrm>
+        </p:spPr>
         <p:txBody>
-          <a:bodyPr/>
+          <a:bodyPr vert="eaVert"/>
           <a:lstStyle/>
           <a:p>
             <a:r>
@@ -3872,45 +2969,50 @@
             <p:ph type="body" orient="vert" idx="1"/>
           </p:nvPr>
         </p:nvSpPr>
-        <p:spPr/>
+        <p:spPr>
+          <a:xfrm>
+            <a:off x="685800" y="304800"/>
+            <a:ext cx="6076950" cy="5867400"/>
+          </a:xfrm>
+        </p:spPr>
         <p:txBody>
           <a:bodyPr vert="eaVert"/>
           <a:lstStyle/>
           <a:p>
             <a:pPr lvl="0"/>
             <a:r>
-              <a:rPr lang="en-US" smtClean="0"/>
+              <a:rPr lang="en-US" dirty="0" smtClean="0"/>
               <a:t>Click to edit Master text styles</a:t>
             </a:r>
           </a:p>
           <a:p>
             <a:pPr lvl="1"/>
             <a:r>
-              <a:rPr lang="en-US" smtClean="0"/>
+              <a:rPr lang="en-US" dirty="0" smtClean="0"/>
               <a:t>Second level</a:t>
             </a:r>
           </a:p>
           <a:p>
             <a:pPr lvl="2"/>
             <a:r>
-              <a:rPr lang="en-US" smtClean="0"/>
+              <a:rPr lang="en-US" dirty="0" smtClean="0"/>
               <a:t>Third level</a:t>
             </a:r>
           </a:p>
           <a:p>
             <a:pPr lvl="3"/>
             <a:r>
-              <a:rPr lang="en-US" smtClean="0"/>
+              <a:rPr lang="en-US" dirty="0" smtClean="0"/>
               <a:t>Fourth level</a:t>
             </a:r>
           </a:p>
           <a:p>
             <a:pPr lvl="4"/>
             <a:r>
-              <a:rPr lang="en-US" smtClean="0"/>
+              <a:rPr lang="en-US" dirty="0" smtClean="0"/>
               <a:t>Fifth level</a:t>
             </a:r>
-            <a:endParaRPr lang="en-US"/>
+            <a:endParaRPr lang="en-US" dirty="0"/>
           </a:p>
         </p:txBody>
       </p:sp>
@@ -3942,7 +3044,7 @@
               <a:rPr lang="en-US" dirty="0" smtClean="0"/>
               <a:t>truth-tables.</a:t>
             </a:r>
-            <a:fld id="{B34E39A3-01D6-4C1E-BA2A-C68DA5665D61}" type="slidenum">
+            <a:fld id="{918B944E-E05E-401F-B34C-339DD98DC38E}" type="slidenum">
               <a:rPr lang="en-US" smtClean="0"/>
               <a:pPr>
                 <a:defRPr/>
@@ -4114,158 +3216,6 @@
       </p:par>
     </p:tnLst>
   </p:timing>
-</p:sldLayout>
-</file>
-
-<file path=ppt/slideLayouts/slideLayout20.xml><?xml version="1.0" encoding="utf-8"?>
-<p:sldLayout xmlns:a="http://schemas.openxmlformats.org/drawingml/2006/main" xmlns:r="http://schemas.openxmlformats.org/officeDocument/2006/relationships" xmlns:p="http://schemas.openxmlformats.org/presentationml/2006/main" type="vertTitleAndTx" preserve="1">
-  <p:cSld name="Vertical Title and Text">
-    <p:spTree>
-      <p:nvGrpSpPr>
-        <p:cNvPr id="1" name=""/>
-        <p:cNvGrpSpPr/>
-        <p:nvPr/>
-      </p:nvGrpSpPr>
-      <p:grpSpPr>
-        <a:xfrm>
-          <a:off x="0" y="0"/>
-          <a:ext cx="0" cy="0"/>
-          <a:chOff x="0" y="0"/>
-          <a:chExt cx="0" cy="0"/>
-        </a:xfrm>
-      </p:grpSpPr>
-      <p:sp>
-        <p:nvSpPr>
-          <p:cNvPr id="2" name="Vertical Title 1"/>
-          <p:cNvSpPr>
-            <a:spLocks noGrp="1"/>
-          </p:cNvSpPr>
-          <p:nvPr>
-            <p:ph type="title" orient="vert"/>
-          </p:nvPr>
-        </p:nvSpPr>
-        <p:spPr>
-          <a:xfrm>
-            <a:off x="6915150" y="304800"/>
-            <a:ext cx="2076450" cy="5867400"/>
-          </a:xfrm>
-        </p:spPr>
-        <p:txBody>
-          <a:bodyPr vert="eaVert"/>
-          <a:lstStyle/>
-          <a:p>
-            <a:r>
-              <a:rPr lang="en-US" smtClean="0"/>
-              <a:t>Click to edit Master title style</a:t>
-            </a:r>
-            <a:endParaRPr lang="en-US"/>
-          </a:p>
-        </p:txBody>
-      </p:sp>
-      <p:sp>
-        <p:nvSpPr>
-          <p:cNvPr id="3" name="Vertical Text Placeholder 2"/>
-          <p:cNvSpPr>
-            <a:spLocks noGrp="1"/>
-          </p:cNvSpPr>
-          <p:nvPr>
-            <p:ph type="body" orient="vert" idx="1"/>
-          </p:nvPr>
-        </p:nvSpPr>
-        <p:spPr>
-          <a:xfrm>
-            <a:off x="685800" y="304800"/>
-            <a:ext cx="6076950" cy="5867400"/>
-          </a:xfrm>
-        </p:spPr>
-        <p:txBody>
-          <a:bodyPr vert="eaVert"/>
-          <a:lstStyle/>
-          <a:p>
-            <a:pPr lvl="0"/>
-            <a:r>
-              <a:rPr lang="en-US" dirty="0" smtClean="0"/>
-              <a:t>Click to edit Master text styles</a:t>
-            </a:r>
-          </a:p>
-          <a:p>
-            <a:pPr lvl="1"/>
-            <a:r>
-              <a:rPr lang="en-US" dirty="0" smtClean="0"/>
-              <a:t>Second level</a:t>
-            </a:r>
-          </a:p>
-          <a:p>
-            <a:pPr lvl="2"/>
-            <a:r>
-              <a:rPr lang="en-US" dirty="0" smtClean="0"/>
-              <a:t>Third level</a:t>
-            </a:r>
-          </a:p>
-          <a:p>
-            <a:pPr lvl="3"/>
-            <a:r>
-              <a:rPr lang="en-US" dirty="0" smtClean="0"/>
-              <a:t>Fourth level</a:t>
-            </a:r>
-          </a:p>
-          <a:p>
-            <a:pPr lvl="4"/>
-            <a:r>
-              <a:rPr lang="en-US" dirty="0" smtClean="0"/>
-              <a:t>Fifth level</a:t>
-            </a:r>
-            <a:endParaRPr lang="en-US" dirty="0"/>
-          </a:p>
-        </p:txBody>
-      </p:sp>
-      <p:sp>
-        <p:nvSpPr>
-          <p:cNvPr id="4" name="Rectangle 4"/>
-          <p:cNvSpPr>
-            <a:spLocks noGrp="1" noChangeArrowheads="1"/>
-          </p:cNvSpPr>
-          <p:nvPr>
-            <p:ph type="sldNum" sz="quarter" idx="10"/>
-          </p:nvPr>
-        </p:nvSpPr>
-        <p:spPr>
-          <a:ln/>
-        </p:spPr>
-        <p:txBody>
-          <a:bodyPr/>
-          <a:lstStyle>
-            <a:lvl1pPr>
-              <a:defRPr/>
-            </a:lvl1pPr>
-          </a:lstStyle>
-          <a:p>
-            <a:pPr>
-              <a:defRPr/>
-            </a:pPr>
-            <a:r>
-              <a:rPr lang="en-US" dirty="0" smtClean="0"/>
-              <a:t>truth-tables.</a:t>
-            </a:r>
-            <a:fld id="{918B944E-E05E-401F-B34C-339DD98DC38E}" type="slidenum">
-              <a:rPr lang="en-US" smtClean="0"/>
-              <a:pPr>
-                <a:defRPr/>
-              </a:pPr>
-              <a:t>‹#›</a:t>
-            </a:fld>
-            <a:endParaRPr lang="en-US" dirty="0"/>
-          </a:p>
-        </p:txBody>
-      </p:sp>
-    </p:spTree>
-  </p:cSld>
-  <p:clrMapOvr>
-    <a:masterClrMapping/>
-  </p:clrMapOvr>
-  <p:transition xmlns:p14="http://schemas.microsoft.com/office/powerpoint/2010/main">
-    <p:fade/>
-  </p:transition>
 </p:sldLayout>
 </file>
 
@@ -5962,25 +4912,13 @@
               <a:rPr lang="en-US" sz="1100" baseline="0" dirty="0" smtClean="0">
                 <a:latin typeface="Comic Sans MS" pitchFamily="66" charset="0"/>
               </a:rPr>
-              <a:t>February </a:t>
-            </a:r>
-            <a:r>
-              <a:rPr lang="en-US" sz="1100" baseline="0" dirty="0" smtClean="0">
-                <a:latin typeface="Comic Sans MS" pitchFamily="66" charset="0"/>
-              </a:rPr>
-              <a:t>14</a:t>
+              <a:t>February 14</a:t>
             </a:r>
             <a:r>
               <a:rPr lang="en-US" sz="1100" dirty="0" smtClean="0">
                 <a:latin typeface="Comic Sans MS" pitchFamily="66" charset="0"/>
               </a:rPr>
-              <a:t>, </a:t>
-            </a:r>
-            <a:r>
-              <a:rPr lang="en-US" sz="1100" dirty="0" smtClean="0">
-                <a:latin typeface="Comic Sans MS" pitchFamily="66" charset="0"/>
-              </a:rPr>
-              <a:t>2014</a:t>
+              <a:t>, 2014</a:t>
             </a:r>
             <a:endParaRPr lang="en-US" sz="1100" dirty="0">
               <a:latin typeface="Comic Sans MS" pitchFamily="66" charset="0"/>
@@ -5988,30 +4926,6 @@
           </a:p>
         </p:txBody>
       </p:sp>
-      <p:pic>
-        <p:nvPicPr>
-          <p:cNvPr id="8" name="Picture 7" descr="license.img"/>
-          <p:cNvPicPr>
-            <a:picLocks/>
-          </p:cNvPicPr>
-          <p:nvPr userDrawn="1"/>
-        </p:nvPicPr>
-        <p:blipFill>
-          <a:blip r:embed="rId12" cstate="print"/>
-          <a:stretch>
-            <a:fillRect/>
-          </a:stretch>
-        </p:blipFill>
-        <p:spPr>
-          <a:xfrm>
-            <a:off x="38415" y="6553200"/>
-            <a:ext cx="875985" cy="290315"/>
-          </a:xfrm>
-          <a:prstGeom prst="rect">
-            <a:avLst/>
-          </a:prstGeom>
-        </p:spPr>
-      </p:pic>
       <p:sp>
         <p:nvSpPr>
           <p:cNvPr id="9" name="TextBox 8"/>
@@ -6043,6 +4957,30 @@
           </a:p>
         </p:txBody>
       </p:sp>
+      <p:pic>
+        <p:nvPicPr>
+          <p:cNvPr id="10" name="Picture 9"/>
+          <p:cNvPicPr>
+            <a:picLocks noChangeAspect="1"/>
+          </p:cNvPicPr>
+          <p:nvPr userDrawn="1"/>
+        </p:nvPicPr>
+        <p:blipFill>
+          <a:blip r:embed="rId12"/>
+          <a:stretch>
+            <a:fillRect/>
+          </a:stretch>
+        </p:blipFill>
+        <p:spPr>
+          <a:xfrm>
+            <a:off x="0" y="6500090"/>
+            <a:ext cx="1016000" cy="357909"/>
+          </a:xfrm>
+          <a:prstGeom prst="rect">
+            <a:avLst/>
+          </a:prstGeom>
+        </p:spPr>
+      </p:pic>
     </p:spTree>
   </p:cSld>
   <p:clrMap bg1="lt1" tx1="dk1" bg2="lt2" tx2="dk2" accent1="accent1" accent2="accent2" accent3="accent3" accent4="accent4" accent5="accent5" accent6="accent6" hlink="hlink" folHlink="folHlink"/>
@@ -6607,7 +5545,7 @@
           <p:nvPr userDrawn="1"/>
         </p:nvPicPr>
         <p:blipFill>
-          <a:blip r:embed="rId13"/>
+          <a:blip r:embed="rId9"/>
           <a:srcRect/>
           <a:stretch>
             <a:fillRect/>
@@ -6673,61 +5611,59 @@
       </p:sp>
       <p:sp>
         <p:nvSpPr>
-          <p:cNvPr id="232455" name="Text Box 7"/>
-          <p:cNvSpPr txBox="1">
-            <a:spLocks noChangeArrowheads="1"/>
-          </p:cNvSpPr>
+          <p:cNvPr id="9" name="TextBox 8"/>
+          <p:cNvSpPr txBox="1"/>
           <p:nvPr userDrawn="1"/>
         </p:nvSpPr>
-        <p:spPr bwMode="auto">
+        <p:spPr>
           <a:xfrm>
-            <a:off x="0" y="6578600"/>
-            <a:ext cx="3070225" cy="274638"/>
+            <a:off x="987900" y="6611779"/>
+            <a:ext cx="1122423" cy="246221"/>
           </a:xfrm>
           <a:prstGeom prst="rect">
             <a:avLst/>
           </a:prstGeom>
           <a:noFill/>
-          <a:ln w="9525">
-            <a:noFill/>
-            <a:miter lim="800000"/>
-            <a:headEnd/>
-            <a:tailEnd type="none" w="lg" len="lg"/>
-          </a:ln>
-          <a:effectLst/>
         </p:spPr>
         <p:txBody>
-          <a:bodyPr wrap="none">
+          <a:bodyPr wrap="none" rtlCol="0">
             <a:spAutoFit/>
           </a:bodyPr>
           <a:lstStyle/>
           <a:p>
-            <a:pPr algn="l">
-              <a:defRPr/>
-            </a:pPr>
-            <a:r>
-              <a:rPr lang="en-US" sz="1000"/>
-              <a:t>Copyright </a:t>
-            </a:r>
-            <a:r>
-              <a:rPr lang="en-US" sz="1000" i="1"/>
-              <a:t>©</a:t>
-            </a:r>
-            <a:r>
-              <a:rPr lang="en-US" sz="1000"/>
-              <a:t> Albert R. Meyer, 2007</a:t>
-            </a:r>
-            <a:r>
-              <a:rPr lang="en-US" sz="1200"/>
-              <a:t>. </a:t>
-            </a:r>
-            <a:r>
-              <a:rPr lang="en-US" sz="1000"/>
-              <a:t>All rights reserved.</a:t>
+            <a:r>
+              <a:rPr lang="en-US" sz="1000" dirty="0" smtClean="0">
+                <a:latin typeface="Comic Sans MS" pitchFamily="66" charset="0"/>
+              </a:rPr>
+              <a:t>Albert R Meyer</a:t>
             </a:r>
           </a:p>
         </p:txBody>
       </p:sp>
+      <p:pic>
+        <p:nvPicPr>
+          <p:cNvPr id="10" name="Picture 9"/>
+          <p:cNvPicPr>
+            <a:picLocks noChangeAspect="1"/>
+          </p:cNvPicPr>
+          <p:nvPr userDrawn="1"/>
+        </p:nvPicPr>
+        <p:blipFill>
+          <a:blip r:embed="rId10"/>
+          <a:stretch>
+            <a:fillRect/>
+          </a:stretch>
+        </p:blipFill>
+        <p:spPr>
+          <a:xfrm>
+            <a:off x="0" y="6500090"/>
+            <a:ext cx="1016000" cy="357909"/>
+          </a:xfrm>
+          <a:prstGeom prst="rect">
+            <a:avLst/>
+          </a:prstGeom>
+        </p:spPr>
+      </p:pic>
     </p:spTree>
   </p:cSld>
   <p:clrMap bg1="lt1" tx1="dk1" bg2="lt2" tx2="dk2" accent1="accent1" accent2="accent2" accent3="accent3" accent4="accent4" accent5="accent5" accent6="accent6" hlink="hlink" folHlink="folHlink"/>
@@ -6735,14 +5671,10 @@
     <p:sldLayoutId id="2147483666" r:id="rId1"/>
     <p:sldLayoutId id="2147483667" r:id="rId2"/>
     <p:sldLayoutId id="2147483668" r:id="rId3"/>
-    <p:sldLayoutId id="2147483669" r:id="rId4"/>
-    <p:sldLayoutId id="2147483670" r:id="rId5"/>
-    <p:sldLayoutId id="2147483671" r:id="rId6"/>
-    <p:sldLayoutId id="2147483672" r:id="rId7"/>
-    <p:sldLayoutId id="2147483673" r:id="rId8"/>
-    <p:sldLayoutId id="2147483674" r:id="rId9"/>
-    <p:sldLayoutId id="2147483675" r:id="rId10"/>
-    <p:sldLayoutId id="2147483676" r:id="rId11"/>
+    <p:sldLayoutId id="2147483671" r:id="rId4"/>
+    <p:sldLayoutId id="2147483672" r:id="rId5"/>
+    <p:sldLayoutId id="2147483674" r:id="rId6"/>
+    <p:sldLayoutId id="2147483676" r:id="rId7"/>
   </p:sldLayoutIdLst>
   <p:transition xmlns:p14="http://schemas.microsoft.com/office/powerpoint/2010/main">
     <p:fade/>
@@ -14319,7 +13251,7 @@
           <a:graphicData uri="http://schemas.openxmlformats.org/presentationml/2006/ole">
             <mc:AlternateContent xmlns:mc="http://schemas.openxmlformats.org/markup-compatibility/2006">
               <mc:Choice xmlns:v="urn:schemas-microsoft-com:vml" Requires="v">
-                <p:oleObj spid="_x0000_s402687" name="Equation" r:id="rId4" imgW="800100" imgH="228600" progId="Equation.DSMT4">
+                <p:oleObj spid="_x0000_s402692" name="Equation" r:id="rId4" imgW="800100" imgH="228600" progId="Equation.DSMT4">
                   <p:embed/>
                 </p:oleObj>
               </mc:Choice>
@@ -14381,7 +13313,7 @@
           <a:graphicData uri="http://schemas.openxmlformats.org/presentationml/2006/ole">
             <mc:AlternateContent xmlns:mc="http://schemas.openxmlformats.org/markup-compatibility/2006">
               <mc:Choice xmlns:v="urn:schemas-microsoft-com:vml" Requires="v">
-                <p:oleObj spid="_x0000_s402688" name="Equation" r:id="rId6" imgW="622300" imgH="241300" progId="Equation.DSMT4">
+                <p:oleObj spid="_x0000_s402693" name="Equation" r:id="rId6" imgW="622300" imgH="241300" progId="Equation.DSMT4">
                   <p:embed/>
                 </p:oleObj>
               </mc:Choice>
@@ -14489,7 +13421,7 @@
             <a:graphicData uri="http://schemas.openxmlformats.org/presentationml/2006/ole">
               <mc:AlternateContent xmlns:mc="http://schemas.openxmlformats.org/markup-compatibility/2006">
                 <mc:Choice xmlns:v="urn:schemas-microsoft-com:vml" Requires="v">
-                  <p:oleObj spid="_x0000_s402689" name="Equation" r:id="rId8" imgW="622300" imgH="241300" progId="Equation.DSMT4">
+                  <p:oleObj spid="_x0000_s402694" name="Equation" r:id="rId8" imgW="622300" imgH="241300" progId="Equation.DSMT4">
                     <p:embed/>
                   </p:oleObj>
                 </mc:Choice>
@@ -14546,7 +13478,7 @@
             <a:graphicData uri="http://schemas.openxmlformats.org/presentationml/2006/ole">
               <mc:AlternateContent xmlns:mc="http://schemas.openxmlformats.org/markup-compatibility/2006">
                 <mc:Choice xmlns:v="urn:schemas-microsoft-com:vml" Requires="v">
-                  <p:oleObj spid="_x0000_s402690" name="Equation" r:id="rId9" imgW="609600" imgH="304800" progId="Equation.DSMT4">
+                  <p:oleObj spid="_x0000_s402695" name="Equation" r:id="rId9" imgW="609600" imgH="304800" progId="Equation.DSMT4">
                     <p:embed/>
                   </p:oleObj>
                 </mc:Choice>
@@ -17722,7 +16654,7 @@
           <a:graphicData uri="http://schemas.openxmlformats.org/presentationml/2006/ole">
             <mc:AlternateContent xmlns:mc="http://schemas.openxmlformats.org/markup-compatibility/2006">
               <mc:Choice xmlns:v="urn:schemas-microsoft-com:vml" Requires="v">
-                <p:oleObj spid="_x0000_s414828" name="Equation" r:id="rId4" imgW="800100" imgH="228600" progId="Equation.DSMT4">
+                <p:oleObj spid="_x0000_s414833" name="Equation" r:id="rId4" imgW="800100" imgH="228600" progId="Equation.DSMT4">
                   <p:embed/>
                 </p:oleObj>
               </mc:Choice>
@@ -17784,7 +16716,7 @@
           <a:graphicData uri="http://schemas.openxmlformats.org/presentationml/2006/ole">
             <mc:AlternateContent xmlns:mc="http://schemas.openxmlformats.org/markup-compatibility/2006">
               <mc:Choice xmlns:v="urn:schemas-microsoft-com:vml" Requires="v">
-                <p:oleObj spid="_x0000_s414829" name="Equation" r:id="rId6" imgW="622300" imgH="241300" progId="Equation.DSMT4">
+                <p:oleObj spid="_x0000_s414834" name="Equation" r:id="rId6" imgW="622300" imgH="241300" progId="Equation.DSMT4">
                   <p:embed/>
                 </p:oleObj>
               </mc:Choice>
@@ -17892,7 +16824,7 @@
             <a:graphicData uri="http://schemas.openxmlformats.org/presentationml/2006/ole">
               <mc:AlternateContent xmlns:mc="http://schemas.openxmlformats.org/markup-compatibility/2006">
                 <mc:Choice xmlns:v="urn:schemas-microsoft-com:vml" Requires="v">
-                  <p:oleObj spid="_x0000_s414830" name="Equation" r:id="rId8" imgW="622300" imgH="241300" progId="Equation.DSMT4">
+                  <p:oleObj spid="_x0000_s414835" name="Equation" r:id="rId8" imgW="622300" imgH="241300" progId="Equation.DSMT4">
                     <p:embed/>
                   </p:oleObj>
                 </mc:Choice>
@@ -17949,7 +16881,7 @@
             <a:graphicData uri="http://schemas.openxmlformats.org/presentationml/2006/ole">
               <mc:AlternateContent xmlns:mc="http://schemas.openxmlformats.org/markup-compatibility/2006">
                 <mc:Choice xmlns:v="urn:schemas-microsoft-com:vml" Requires="v">
-                  <p:oleObj spid="_x0000_s414831" name="Equation" r:id="rId9" imgW="609600" imgH="304800" progId="Equation.DSMT4">
+                  <p:oleObj spid="_x0000_s414836" name="Equation" r:id="rId9" imgW="609600" imgH="304800" progId="Equation.DSMT4">
                     <p:embed/>
                   </p:oleObj>
                 </mc:Choice>

--- a/spring14/slidesS14/truth-tables.pptx
+++ b/spring14/slidesS14/truth-tables.pptx
@@ -13251,7 +13251,7 @@
           <a:graphicData uri="http://schemas.openxmlformats.org/presentationml/2006/ole">
             <mc:AlternateContent xmlns:mc="http://schemas.openxmlformats.org/markup-compatibility/2006">
               <mc:Choice xmlns:v="urn:schemas-microsoft-com:vml" Requires="v">
-                <p:oleObj spid="_x0000_s402692" name="Equation" r:id="rId4" imgW="800100" imgH="228600" progId="Equation.DSMT4">
+                <p:oleObj spid="_x0000_s402697" name="Equation" r:id="rId4" imgW="800100" imgH="228600" progId="Equation.DSMT4">
                   <p:embed/>
                 </p:oleObj>
               </mc:Choice>
@@ -13313,7 +13313,7 @@
           <a:graphicData uri="http://schemas.openxmlformats.org/presentationml/2006/ole">
             <mc:AlternateContent xmlns:mc="http://schemas.openxmlformats.org/markup-compatibility/2006">
               <mc:Choice xmlns:v="urn:schemas-microsoft-com:vml" Requires="v">
-                <p:oleObj spid="_x0000_s402693" name="Equation" r:id="rId6" imgW="622300" imgH="241300" progId="Equation.DSMT4">
+                <p:oleObj spid="_x0000_s402698" name="Equation" r:id="rId6" imgW="622300" imgH="241300" progId="Equation.DSMT4">
                   <p:embed/>
                 </p:oleObj>
               </mc:Choice>
@@ -13421,7 +13421,7 @@
             <a:graphicData uri="http://schemas.openxmlformats.org/presentationml/2006/ole">
               <mc:AlternateContent xmlns:mc="http://schemas.openxmlformats.org/markup-compatibility/2006">
                 <mc:Choice xmlns:v="urn:schemas-microsoft-com:vml" Requires="v">
-                  <p:oleObj spid="_x0000_s402694" name="Equation" r:id="rId8" imgW="622300" imgH="241300" progId="Equation.DSMT4">
+                  <p:oleObj spid="_x0000_s402699" name="Equation" r:id="rId8" imgW="622300" imgH="241300" progId="Equation.DSMT4">
                     <p:embed/>
                   </p:oleObj>
                 </mc:Choice>
@@ -13478,7 +13478,7 @@
             <a:graphicData uri="http://schemas.openxmlformats.org/presentationml/2006/ole">
               <mc:AlternateContent xmlns:mc="http://schemas.openxmlformats.org/markup-compatibility/2006">
                 <mc:Choice xmlns:v="urn:schemas-microsoft-com:vml" Requires="v">
-                  <p:oleObj spid="_x0000_s402695" name="Equation" r:id="rId9" imgW="609600" imgH="304800" progId="Equation.DSMT4">
+                  <p:oleObj spid="_x0000_s402700" name="Equation" r:id="rId9" imgW="609600" imgH="304800" progId="Equation.DSMT4">
                     <p:embed/>
                   </p:oleObj>
                 </mc:Choice>
@@ -16654,7 +16654,7 @@
           <a:graphicData uri="http://schemas.openxmlformats.org/presentationml/2006/ole">
             <mc:AlternateContent xmlns:mc="http://schemas.openxmlformats.org/markup-compatibility/2006">
               <mc:Choice xmlns:v="urn:schemas-microsoft-com:vml" Requires="v">
-                <p:oleObj spid="_x0000_s414833" name="Equation" r:id="rId4" imgW="800100" imgH="228600" progId="Equation.DSMT4">
+                <p:oleObj spid="_x0000_s414838" name="Equation" r:id="rId4" imgW="800100" imgH="228600" progId="Equation.DSMT4">
                   <p:embed/>
                 </p:oleObj>
               </mc:Choice>
@@ -16716,7 +16716,7 @@
           <a:graphicData uri="http://schemas.openxmlformats.org/presentationml/2006/ole">
             <mc:AlternateContent xmlns:mc="http://schemas.openxmlformats.org/markup-compatibility/2006">
               <mc:Choice xmlns:v="urn:schemas-microsoft-com:vml" Requires="v">
-                <p:oleObj spid="_x0000_s414834" name="Equation" r:id="rId6" imgW="622300" imgH="241300" progId="Equation.DSMT4">
+                <p:oleObj spid="_x0000_s414839" name="Equation" r:id="rId6" imgW="622300" imgH="241300" progId="Equation.DSMT4">
                   <p:embed/>
                 </p:oleObj>
               </mc:Choice>
@@ -16824,7 +16824,7 @@
             <a:graphicData uri="http://schemas.openxmlformats.org/presentationml/2006/ole">
               <mc:AlternateContent xmlns:mc="http://schemas.openxmlformats.org/markup-compatibility/2006">
                 <mc:Choice xmlns:v="urn:schemas-microsoft-com:vml" Requires="v">
-                  <p:oleObj spid="_x0000_s414835" name="Equation" r:id="rId8" imgW="622300" imgH="241300" progId="Equation.DSMT4">
+                  <p:oleObj spid="_x0000_s414840" name="Equation" r:id="rId8" imgW="622300" imgH="241300" progId="Equation.DSMT4">
                     <p:embed/>
                   </p:oleObj>
                 </mc:Choice>
@@ -16881,7 +16881,7 @@
             <a:graphicData uri="http://schemas.openxmlformats.org/presentationml/2006/ole">
               <mc:AlternateContent xmlns:mc="http://schemas.openxmlformats.org/markup-compatibility/2006">
                 <mc:Choice xmlns:v="urn:schemas-microsoft-com:vml" Requires="v">
-                  <p:oleObj spid="_x0000_s414836" name="Equation" r:id="rId9" imgW="609600" imgH="304800" progId="Equation.DSMT4">
+                  <p:oleObj spid="_x0000_s414841" name="Equation" r:id="rId9" imgW="609600" imgH="304800" progId="Equation.DSMT4">
                     <p:embed/>
                   </p:oleObj>
                 </mc:Choice>
